--- a/MoveAndJump.pptx
+++ b/MoveAndJump.pptx
@@ -6,6 +6,7 @@
   </p:sldMasterIdLst>
   <p:sldIdLst>
     <p:sldId id="256" r:id="rId2"/>
+    <p:sldId id="257" r:id="rId3"/>
   </p:sldIdLst>
   <p:sldSz cx="9144000" cy="6858000" type="screen4x3"/>
   <p:notesSz cx="6858000" cy="9144000"/>
@@ -2536,9 +2537,7 @@
               </a:schemeClr>
             </a:gs>
           </a:gsLst>
-          <a:path path="circle">
-            <a:fillToRect l="50000" t="50000" r="50000" b="50000"/>
-          </a:path>
+          <a:lin ang="18900000" scaled="1"/>
           <a:tileRect/>
         </a:gradFill>
         <a:effectLst/>
@@ -4701,6 +4700,754 @@
     <p:extLst>
       <p:ext uri="{BB962C8B-B14F-4D97-AF65-F5344CB8AC3E}">
         <p14:creationId xmlns:p14="http://schemas.microsoft.com/office/powerpoint/2010/main" val="2532749271"/>
+      </p:ext>
+    </p:extLst>
+  </p:cSld>
+  <p:clrMapOvr>
+    <a:masterClrMapping/>
+  </p:clrMapOvr>
+  <p:timing>
+    <p:tnLst>
+      <p:par>
+        <p:cTn id="1" dur="indefinite" restart="never" nodeType="tmRoot"/>
+      </p:par>
+    </p:tnLst>
+  </p:timing>
+</p:sld>
+</file>
+
+<file path=ppt/slides/slide2.xml><?xml version="1.0" encoding="utf-8"?>
+<p:sld xmlns:a="http://schemas.openxmlformats.org/drawingml/2006/main" xmlns:r="http://schemas.openxmlformats.org/officeDocument/2006/relationships" xmlns:p="http://schemas.openxmlformats.org/presentationml/2006/main">
+  <p:cSld>
+    <p:spTree>
+      <p:nvGrpSpPr>
+        <p:cNvPr id="1" name=""/>
+        <p:cNvGrpSpPr/>
+        <p:nvPr/>
+      </p:nvGrpSpPr>
+      <p:grpSpPr>
+        <a:xfrm>
+          <a:off x="0" y="0"/>
+          <a:ext cx="0" cy="0"/>
+          <a:chOff x="0" y="0"/>
+          <a:chExt cx="0" cy="0"/>
+        </a:xfrm>
+      </p:grpSpPr>
+      <p:pic>
+        <p:nvPicPr>
+          <p:cNvPr id="1027" name="Picture 3"/>
+          <p:cNvPicPr>
+            <a:picLocks noChangeAspect="1" noChangeArrowheads="1"/>
+          </p:cNvPicPr>
+          <p:nvPr/>
+        </p:nvPicPr>
+        <p:blipFill>
+          <a:blip r:embed="rId2">
+            <a:extLst>
+              <a:ext uri="{28A0092B-C50C-407E-A947-70E740481C1C}">
+                <a14:useLocalDpi xmlns:a14="http://schemas.microsoft.com/office/drawing/2010/main" val="0"/>
+              </a:ext>
+            </a:extLst>
+          </a:blip>
+          <a:srcRect/>
+          <a:stretch>
+            <a:fillRect/>
+          </a:stretch>
+        </p:blipFill>
+        <p:spPr bwMode="auto">
+          <a:xfrm>
+            <a:off x="294090" y="1571695"/>
+            <a:ext cx="8286750" cy="628650"/>
+          </a:xfrm>
+          <a:prstGeom prst="rect">
+            <a:avLst/>
+          </a:prstGeom>
+          <a:noFill/>
+          <a:ln>
+            <a:noFill/>
+          </a:ln>
+          <a:effectLst/>
+          <a:extLst>
+            <a:ext uri="{909E8E84-426E-40DD-AFC4-6F175D3DCCD1}">
+              <a14:hiddenFill xmlns:a14="http://schemas.microsoft.com/office/drawing/2010/main">
+                <a:solidFill>
+                  <a:schemeClr val="accent1"/>
+                </a:solidFill>
+              </a14:hiddenFill>
+            </a:ext>
+            <a:ext uri="{91240B29-F687-4F45-9708-019B960494DF}">
+              <a14:hiddenLine xmlns:a14="http://schemas.microsoft.com/office/drawing/2010/main" w="9525">
+                <a:solidFill>
+                  <a:schemeClr val="tx1"/>
+                </a:solidFill>
+                <a:miter lim="800000"/>
+                <a:headEnd/>
+                <a:tailEnd/>
+              </a14:hiddenLine>
+            </a:ext>
+            <a:ext uri="{AF507438-7753-43E0-B8FC-AC1667EBCBE1}">
+              <a14:hiddenEffects xmlns:a14="http://schemas.microsoft.com/office/drawing/2010/main">
+                <a:effectLst>
+                  <a:outerShdw dist="35921" dir="2700000" algn="ctr" rotWithShape="0">
+                    <a:schemeClr val="bg2"/>
+                  </a:outerShdw>
+                </a:effectLst>
+              </a14:hiddenEffects>
+            </a:ext>
+          </a:extLst>
+        </p:spPr>
+      </p:pic>
+      <p:sp>
+        <p:nvSpPr>
+          <p:cNvPr id="2" name="矩形 1"/>
+          <p:cNvSpPr/>
+          <p:nvPr/>
+        </p:nvSpPr>
+        <p:spPr>
+          <a:xfrm>
+            <a:off x="1835696" y="2710080"/>
+            <a:ext cx="1656184" cy="648072"/>
+          </a:xfrm>
+          <a:prstGeom prst="rect">
+            <a:avLst/>
+          </a:prstGeom>
+          <a:solidFill>
+            <a:schemeClr val="tx1">
+              <a:lumMod val="75000"/>
+              <a:lumOff val="25000"/>
+            </a:schemeClr>
+          </a:solidFill>
+          <a:ln w="6350">
+            <a:solidFill>
+              <a:schemeClr val="bg1">
+                <a:lumMod val="75000"/>
+              </a:schemeClr>
+            </a:solidFill>
+          </a:ln>
+        </p:spPr>
+        <p:style>
+          <a:lnRef idx="2">
+            <a:schemeClr val="accent1">
+              <a:shade val="50000"/>
+            </a:schemeClr>
+          </a:lnRef>
+          <a:fillRef idx="1">
+            <a:schemeClr val="accent1"/>
+          </a:fillRef>
+          <a:effectRef idx="0">
+            <a:schemeClr val="accent1"/>
+          </a:effectRef>
+          <a:fontRef idx="minor">
+            <a:schemeClr val="lt1"/>
+          </a:fontRef>
+        </p:style>
+        <p:txBody>
+          <a:bodyPr rtlCol="0" anchor="ctr"/>
+          <a:lstStyle/>
+          <a:p>
+            <a:pPr algn="ctr"/>
+            <a:r>
+              <a:rPr lang="en-US" altLang="zh-CN" sz="1000" dirty="0" smtClean="0">
+                <a:latin typeface="微软雅黑" pitchFamily="34" charset="-122"/>
+                <a:ea typeface="微软雅黑" pitchFamily="34" charset="-122"/>
+              </a:rPr>
+              <a:t>Character Behaviour</a:t>
+            </a:r>
+            <a:endParaRPr lang="zh-CN" altLang="en-US" sz="1000" dirty="0">
+              <a:latin typeface="微软雅黑" pitchFamily="34" charset="-122"/>
+              <a:ea typeface="微软雅黑" pitchFamily="34" charset="-122"/>
+            </a:endParaRPr>
+          </a:p>
+        </p:txBody>
+      </p:sp>
+      <p:sp>
+        <p:nvSpPr>
+          <p:cNvPr id="34" name="矩形 33"/>
+          <p:cNvSpPr/>
+          <p:nvPr/>
+        </p:nvSpPr>
+        <p:spPr>
+          <a:xfrm>
+            <a:off x="1835696" y="3358152"/>
+            <a:ext cx="1224136" cy="648072"/>
+          </a:xfrm>
+          <a:prstGeom prst="rect">
+            <a:avLst/>
+          </a:prstGeom>
+          <a:solidFill>
+            <a:schemeClr val="tx1">
+              <a:lumMod val="75000"/>
+              <a:lumOff val="25000"/>
+            </a:schemeClr>
+          </a:solidFill>
+          <a:ln w="3175">
+            <a:solidFill>
+              <a:schemeClr val="bg1"/>
+            </a:solidFill>
+          </a:ln>
+        </p:spPr>
+        <p:style>
+          <a:lnRef idx="2">
+            <a:schemeClr val="accent1">
+              <a:shade val="50000"/>
+            </a:schemeClr>
+          </a:lnRef>
+          <a:fillRef idx="1">
+            <a:schemeClr val="accent1"/>
+          </a:fillRef>
+          <a:effectRef idx="0">
+            <a:schemeClr val="accent1"/>
+          </a:effectRef>
+          <a:fontRef idx="minor">
+            <a:schemeClr val="lt1"/>
+          </a:fontRef>
+        </p:style>
+        <p:txBody>
+          <a:bodyPr rtlCol="0" anchor="ctr"/>
+          <a:lstStyle/>
+          <a:p>
+            <a:pPr algn="ctr"/>
+            <a:r>
+              <a:rPr lang="en-US" altLang="zh-CN" sz="1000" dirty="0" smtClean="0">
+                <a:latin typeface="微软雅黑" pitchFamily="34" charset="-122"/>
+                <a:ea typeface="微软雅黑" pitchFamily="34" charset="-122"/>
+              </a:rPr>
+              <a:t>eBehav_Normal</a:t>
+            </a:r>
+            <a:endParaRPr lang="zh-CN" altLang="en-US" sz="1000" dirty="0">
+              <a:latin typeface="微软雅黑" pitchFamily="34" charset="-122"/>
+              <a:ea typeface="微软雅黑" pitchFamily="34" charset="-122"/>
+            </a:endParaRPr>
+          </a:p>
+        </p:txBody>
+      </p:sp>
+      <p:sp>
+        <p:nvSpPr>
+          <p:cNvPr id="35" name="矩形 34"/>
+          <p:cNvSpPr/>
+          <p:nvPr/>
+        </p:nvSpPr>
+        <p:spPr>
+          <a:xfrm>
+            <a:off x="1835696" y="4006224"/>
+            <a:ext cx="1224136" cy="648072"/>
+          </a:xfrm>
+          <a:prstGeom prst="rect">
+            <a:avLst/>
+          </a:prstGeom>
+          <a:solidFill>
+            <a:schemeClr val="tx1">
+              <a:lumMod val="75000"/>
+              <a:lumOff val="25000"/>
+            </a:schemeClr>
+          </a:solidFill>
+          <a:ln w="3175">
+            <a:solidFill>
+              <a:schemeClr val="bg1"/>
+            </a:solidFill>
+          </a:ln>
+        </p:spPr>
+        <p:style>
+          <a:lnRef idx="2">
+            <a:schemeClr val="accent1">
+              <a:shade val="50000"/>
+            </a:schemeClr>
+          </a:lnRef>
+          <a:fillRef idx="1">
+            <a:schemeClr val="accent1"/>
+          </a:fillRef>
+          <a:effectRef idx="0">
+            <a:schemeClr val="accent1"/>
+          </a:effectRef>
+          <a:fontRef idx="minor">
+            <a:schemeClr val="lt1"/>
+          </a:fontRef>
+        </p:style>
+        <p:txBody>
+          <a:bodyPr rtlCol="0" anchor="ctr"/>
+          <a:lstStyle/>
+          <a:p>
+            <a:pPr algn="ctr"/>
+            <a:r>
+              <a:rPr lang="en-US" altLang="zh-CN" sz="1000" dirty="0" smtClean="0">
+                <a:latin typeface="微软雅黑" pitchFamily="34" charset="-122"/>
+                <a:ea typeface="微软雅黑" pitchFamily="34" charset="-122"/>
+              </a:rPr>
+              <a:t>eBehav_Hide</a:t>
+            </a:r>
+            <a:endParaRPr lang="zh-CN" altLang="en-US" sz="1000" dirty="0">
+              <a:latin typeface="微软雅黑" pitchFamily="34" charset="-122"/>
+              <a:ea typeface="微软雅黑" pitchFamily="34" charset="-122"/>
+            </a:endParaRPr>
+          </a:p>
+        </p:txBody>
+      </p:sp>
+      <p:sp>
+        <p:nvSpPr>
+          <p:cNvPr id="36" name="矩形 35"/>
+          <p:cNvSpPr/>
+          <p:nvPr/>
+        </p:nvSpPr>
+        <p:spPr>
+          <a:xfrm>
+            <a:off x="1835696" y="4654296"/>
+            <a:ext cx="1224136" cy="648072"/>
+          </a:xfrm>
+          <a:prstGeom prst="rect">
+            <a:avLst/>
+          </a:prstGeom>
+          <a:solidFill>
+            <a:schemeClr val="tx1">
+              <a:lumMod val="75000"/>
+              <a:lumOff val="25000"/>
+            </a:schemeClr>
+          </a:solidFill>
+          <a:ln w="3175">
+            <a:solidFill>
+              <a:schemeClr val="bg1"/>
+            </a:solidFill>
+          </a:ln>
+        </p:spPr>
+        <p:style>
+          <a:lnRef idx="2">
+            <a:schemeClr val="accent1">
+              <a:shade val="50000"/>
+            </a:schemeClr>
+          </a:lnRef>
+          <a:fillRef idx="1">
+            <a:schemeClr val="accent1"/>
+          </a:fillRef>
+          <a:effectRef idx="0">
+            <a:schemeClr val="accent1"/>
+          </a:effectRef>
+          <a:fontRef idx="minor">
+            <a:schemeClr val="lt1"/>
+          </a:fontRef>
+        </p:style>
+        <p:txBody>
+          <a:bodyPr rtlCol="0" anchor="ctr"/>
+          <a:lstStyle/>
+          <a:p>
+            <a:pPr algn="ctr"/>
+            <a:r>
+              <a:rPr lang="en-US" altLang="zh-CN" sz="800" dirty="0" smtClean="0">
+                <a:latin typeface="微软雅黑" pitchFamily="34" charset="-122"/>
+                <a:ea typeface="微软雅黑" pitchFamily="34" charset="-122"/>
+              </a:rPr>
+              <a:t>eBehav_JumpDown</a:t>
+            </a:r>
+            <a:endParaRPr lang="zh-CN" altLang="en-US" sz="800" dirty="0">
+              <a:latin typeface="微软雅黑" pitchFamily="34" charset="-122"/>
+              <a:ea typeface="微软雅黑" pitchFamily="34" charset="-122"/>
+            </a:endParaRPr>
+          </a:p>
+        </p:txBody>
+      </p:sp>
+      <p:sp>
+        <p:nvSpPr>
+          <p:cNvPr id="38" name="矩形 37"/>
+          <p:cNvSpPr/>
+          <p:nvPr/>
+        </p:nvSpPr>
+        <p:spPr>
+          <a:xfrm>
+            <a:off x="5217220" y="2710080"/>
+            <a:ext cx="1656184" cy="648072"/>
+          </a:xfrm>
+          <a:prstGeom prst="rect">
+            <a:avLst/>
+          </a:prstGeom>
+          <a:solidFill>
+            <a:schemeClr val="tx1">
+              <a:lumMod val="75000"/>
+              <a:lumOff val="25000"/>
+            </a:schemeClr>
+          </a:solidFill>
+          <a:ln w="6350">
+            <a:solidFill>
+              <a:schemeClr val="bg1">
+                <a:lumMod val="75000"/>
+              </a:schemeClr>
+            </a:solidFill>
+          </a:ln>
+        </p:spPr>
+        <p:style>
+          <a:lnRef idx="2">
+            <a:schemeClr val="accent1">
+              <a:shade val="50000"/>
+            </a:schemeClr>
+          </a:lnRef>
+          <a:fillRef idx="1">
+            <a:schemeClr val="accent1"/>
+          </a:fillRef>
+          <a:effectRef idx="0">
+            <a:schemeClr val="accent1"/>
+          </a:effectRef>
+          <a:fontRef idx="minor">
+            <a:schemeClr val="lt1"/>
+          </a:fontRef>
+        </p:style>
+        <p:txBody>
+          <a:bodyPr rtlCol="0" anchor="ctr"/>
+          <a:lstStyle/>
+          <a:p>
+            <a:pPr algn="ctr"/>
+            <a:r>
+              <a:rPr lang="en-US" altLang="zh-CN" sz="1000" dirty="0" smtClean="0">
+                <a:latin typeface="微软雅黑" pitchFamily="34" charset="-122"/>
+                <a:ea typeface="微软雅黑" pitchFamily="34" charset="-122"/>
+              </a:rPr>
+              <a:t>Character Normal Behaviour</a:t>
+            </a:r>
+            <a:endParaRPr lang="zh-CN" altLang="en-US" sz="1000" dirty="0">
+              <a:latin typeface="微软雅黑" pitchFamily="34" charset="-122"/>
+              <a:ea typeface="微软雅黑" pitchFamily="34" charset="-122"/>
+            </a:endParaRPr>
+          </a:p>
+        </p:txBody>
+      </p:sp>
+      <p:sp>
+        <p:nvSpPr>
+          <p:cNvPr id="42" name="矩形 41"/>
+          <p:cNvSpPr/>
+          <p:nvPr/>
+        </p:nvSpPr>
+        <p:spPr>
+          <a:xfrm>
+            <a:off x="5217220" y="3358152"/>
+            <a:ext cx="1224136" cy="648072"/>
+          </a:xfrm>
+          <a:prstGeom prst="rect">
+            <a:avLst/>
+          </a:prstGeom>
+          <a:solidFill>
+            <a:schemeClr val="tx1">
+              <a:lumMod val="75000"/>
+              <a:lumOff val="25000"/>
+            </a:schemeClr>
+          </a:solidFill>
+          <a:ln w="3175">
+            <a:solidFill>
+              <a:schemeClr val="bg1"/>
+            </a:solidFill>
+          </a:ln>
+        </p:spPr>
+        <p:style>
+          <a:lnRef idx="2">
+            <a:schemeClr val="accent1">
+              <a:shade val="50000"/>
+            </a:schemeClr>
+          </a:lnRef>
+          <a:fillRef idx="1">
+            <a:schemeClr val="accent1"/>
+          </a:fillRef>
+          <a:effectRef idx="0">
+            <a:schemeClr val="accent1"/>
+          </a:effectRef>
+          <a:fontRef idx="minor">
+            <a:schemeClr val="lt1"/>
+          </a:fontRef>
+        </p:style>
+        <p:txBody>
+          <a:bodyPr rtlCol="0" anchor="ctr"/>
+          <a:lstStyle/>
+          <a:p>
+            <a:pPr algn="ctr"/>
+            <a:r>
+              <a:rPr lang="en-US" altLang="zh-CN" sz="1000" dirty="0" smtClean="0">
+                <a:latin typeface="微软雅黑" pitchFamily="34" charset="-122"/>
+                <a:ea typeface="微软雅黑" pitchFamily="34" charset="-122"/>
+              </a:rPr>
+              <a:t>Grounded</a:t>
+            </a:r>
+            <a:endParaRPr lang="zh-CN" altLang="en-US" sz="1000" dirty="0">
+              <a:latin typeface="微软雅黑" pitchFamily="34" charset="-122"/>
+              <a:ea typeface="微软雅黑" pitchFamily="34" charset="-122"/>
+            </a:endParaRPr>
+          </a:p>
+        </p:txBody>
+      </p:sp>
+      <p:sp>
+        <p:nvSpPr>
+          <p:cNvPr id="43" name="矩形 42"/>
+          <p:cNvSpPr/>
+          <p:nvPr/>
+        </p:nvSpPr>
+        <p:spPr>
+          <a:xfrm>
+            <a:off x="5217220" y="4006224"/>
+            <a:ext cx="1224136" cy="648072"/>
+          </a:xfrm>
+          <a:prstGeom prst="rect">
+            <a:avLst/>
+          </a:prstGeom>
+          <a:solidFill>
+            <a:schemeClr val="tx1">
+              <a:lumMod val="75000"/>
+              <a:lumOff val="25000"/>
+            </a:schemeClr>
+          </a:solidFill>
+          <a:ln w="3175">
+            <a:solidFill>
+              <a:schemeClr val="bg1"/>
+            </a:solidFill>
+          </a:ln>
+        </p:spPr>
+        <p:style>
+          <a:lnRef idx="2">
+            <a:schemeClr val="accent1">
+              <a:shade val="50000"/>
+            </a:schemeClr>
+          </a:lnRef>
+          <a:fillRef idx="1">
+            <a:schemeClr val="accent1"/>
+          </a:fillRef>
+          <a:effectRef idx="0">
+            <a:schemeClr val="accent1"/>
+          </a:effectRef>
+          <a:fontRef idx="minor">
+            <a:schemeClr val="lt1"/>
+          </a:fontRef>
+        </p:style>
+        <p:txBody>
+          <a:bodyPr rtlCol="0" anchor="ctr"/>
+          <a:lstStyle/>
+          <a:p>
+            <a:pPr algn="ctr"/>
+            <a:r>
+              <a:rPr lang="en-US" altLang="zh-CN" sz="1000" dirty="0" smtClean="0">
+                <a:latin typeface="微软雅黑" pitchFamily="34" charset="-122"/>
+                <a:ea typeface="微软雅黑" pitchFamily="34" charset="-122"/>
+              </a:rPr>
+              <a:t>Small Jump</a:t>
+            </a:r>
+            <a:endParaRPr lang="zh-CN" altLang="en-US" sz="1000" dirty="0">
+              <a:latin typeface="微软雅黑" pitchFamily="34" charset="-122"/>
+              <a:ea typeface="微软雅黑" pitchFamily="34" charset="-122"/>
+            </a:endParaRPr>
+          </a:p>
+        </p:txBody>
+      </p:sp>
+      <p:sp>
+        <p:nvSpPr>
+          <p:cNvPr id="44" name="矩形 43"/>
+          <p:cNvSpPr/>
+          <p:nvPr/>
+        </p:nvSpPr>
+        <p:spPr>
+          <a:xfrm>
+            <a:off x="5217220" y="4654296"/>
+            <a:ext cx="1224136" cy="648072"/>
+          </a:xfrm>
+          <a:prstGeom prst="rect">
+            <a:avLst/>
+          </a:prstGeom>
+          <a:solidFill>
+            <a:schemeClr val="tx1">
+              <a:lumMod val="75000"/>
+              <a:lumOff val="25000"/>
+            </a:schemeClr>
+          </a:solidFill>
+          <a:ln w="3175">
+            <a:solidFill>
+              <a:schemeClr val="bg1"/>
+            </a:solidFill>
+          </a:ln>
+        </p:spPr>
+        <p:style>
+          <a:lnRef idx="2">
+            <a:schemeClr val="accent1">
+              <a:shade val="50000"/>
+            </a:schemeClr>
+          </a:lnRef>
+          <a:fillRef idx="1">
+            <a:schemeClr val="accent1"/>
+          </a:fillRef>
+          <a:effectRef idx="0">
+            <a:schemeClr val="accent1"/>
+          </a:effectRef>
+          <a:fontRef idx="minor">
+            <a:schemeClr val="lt1"/>
+          </a:fontRef>
+        </p:style>
+        <p:txBody>
+          <a:bodyPr rtlCol="0" anchor="ctr"/>
+          <a:lstStyle/>
+          <a:p>
+            <a:pPr algn="ctr"/>
+            <a:r>
+              <a:rPr lang="en-US" altLang="zh-CN" sz="1000" dirty="0" smtClean="0">
+                <a:latin typeface="微软雅黑" pitchFamily="34" charset="-122"/>
+                <a:ea typeface="微软雅黑" pitchFamily="34" charset="-122"/>
+              </a:rPr>
+              <a:t>Big Jump</a:t>
+            </a:r>
+            <a:endParaRPr lang="zh-CN" altLang="en-US" sz="1000" dirty="0">
+              <a:latin typeface="微软雅黑" pitchFamily="34" charset="-122"/>
+              <a:ea typeface="微软雅黑" pitchFamily="34" charset="-122"/>
+            </a:endParaRPr>
+          </a:p>
+        </p:txBody>
+      </p:sp>
+      <p:cxnSp>
+        <p:nvCxnSpPr>
+          <p:cNvPr id="5" name="直接箭头连接符 4"/>
+          <p:cNvCxnSpPr>
+            <a:stCxn id="34" idx="3"/>
+            <a:endCxn id="38" idx="1"/>
+          </p:cNvCxnSpPr>
+          <p:nvPr/>
+        </p:nvCxnSpPr>
+        <p:spPr>
+          <a:xfrm flipV="1">
+            <a:off x="3059832" y="3034116"/>
+            <a:ext cx="2157388" cy="648072"/>
+          </a:xfrm>
+          <a:prstGeom prst="straightConnector1">
+            <a:avLst/>
+          </a:prstGeom>
+          <a:ln>
+            <a:prstDash val="sysDot"/>
+            <a:tailEnd type="arrow"/>
+          </a:ln>
+        </p:spPr>
+        <p:style>
+          <a:lnRef idx="2">
+            <a:schemeClr val="accent1"/>
+          </a:lnRef>
+          <a:fillRef idx="0">
+            <a:schemeClr val="accent1"/>
+          </a:fillRef>
+          <a:effectRef idx="1">
+            <a:schemeClr val="accent1"/>
+          </a:effectRef>
+          <a:fontRef idx="minor">
+            <a:schemeClr val="tx1"/>
+          </a:fontRef>
+        </p:style>
+      </p:cxnSp>
+      <p:sp>
+        <p:nvSpPr>
+          <p:cNvPr id="10" name="TextBox 9"/>
+          <p:cNvSpPr txBox="1"/>
+          <p:nvPr/>
+        </p:nvSpPr>
+        <p:spPr>
+          <a:xfrm>
+            <a:off x="2803207" y="225225"/>
+            <a:ext cx="2895344" cy="400110"/>
+          </a:xfrm>
+          <a:prstGeom prst="rect">
+            <a:avLst/>
+          </a:prstGeom>
+          <a:noFill/>
+        </p:spPr>
+        <p:txBody>
+          <a:bodyPr wrap="none" rtlCol="0">
+            <a:spAutoFit/>
+          </a:bodyPr>
+          <a:lstStyle/>
+          <a:p>
+            <a:r>
+              <a:rPr lang="en-US" altLang="zh-CN" sz="2000" dirty="0" smtClean="0">
+                <a:solidFill>
+                  <a:schemeClr val="bg1"/>
+                </a:solidFill>
+                <a:latin typeface="微软雅黑" pitchFamily="34" charset="-122"/>
+                <a:ea typeface="微软雅黑" pitchFamily="34" charset="-122"/>
+              </a:rPr>
+              <a:t>Behaviour Description</a:t>
+            </a:r>
+            <a:endParaRPr lang="zh-CN" altLang="en-US" sz="2000" dirty="0">
+              <a:solidFill>
+                <a:schemeClr val="bg1"/>
+              </a:solidFill>
+              <a:latin typeface="微软雅黑" pitchFamily="34" charset="-122"/>
+              <a:ea typeface="微软雅黑" pitchFamily="34" charset="-122"/>
+            </a:endParaRPr>
+          </a:p>
+        </p:txBody>
+      </p:sp>
+      <p:sp>
+        <p:nvSpPr>
+          <p:cNvPr id="47" name="TextBox 46"/>
+          <p:cNvSpPr txBox="1"/>
+          <p:nvPr/>
+        </p:nvSpPr>
+        <p:spPr>
+          <a:xfrm>
+            <a:off x="8050727" y="6304002"/>
+            <a:ext cx="1060227" cy="369332"/>
+          </a:xfrm>
+          <a:prstGeom prst="rect">
+            <a:avLst/>
+          </a:prstGeom>
+          <a:noFill/>
+        </p:spPr>
+        <p:txBody>
+          <a:bodyPr wrap="none" rtlCol="0">
+            <a:spAutoFit/>
+          </a:bodyPr>
+          <a:lstStyle/>
+          <a:p>
+            <a:r>
+              <a:rPr lang="en-US" altLang="zh-CN" dirty="0" smtClean="0">
+                <a:solidFill>
+                  <a:srgbClr val="00B0F0"/>
+                </a:solidFill>
+              </a:rPr>
+              <a:t>DomTech</a:t>
+            </a:r>
+            <a:endParaRPr lang="zh-CN" altLang="en-US" dirty="0">
+              <a:solidFill>
+                <a:srgbClr val="00B0F0"/>
+              </a:solidFill>
+            </a:endParaRPr>
+          </a:p>
+        </p:txBody>
+      </p:sp>
+      <p:sp>
+        <p:nvSpPr>
+          <p:cNvPr id="48" name="TextBox 47"/>
+          <p:cNvSpPr txBox="1"/>
+          <p:nvPr/>
+        </p:nvSpPr>
+        <p:spPr>
+          <a:xfrm>
+            <a:off x="7921219" y="6629583"/>
+            <a:ext cx="1124026" cy="215444"/>
+          </a:xfrm>
+          <a:prstGeom prst="rect">
+            <a:avLst/>
+          </a:prstGeom>
+          <a:noFill/>
+        </p:spPr>
+        <p:txBody>
+          <a:bodyPr wrap="none" rtlCol="0">
+            <a:spAutoFit/>
+          </a:bodyPr>
+          <a:lstStyle/>
+          <a:p>
+            <a:r>
+              <a:rPr lang="en-US" altLang="zh-CN" sz="800" dirty="0" smtClean="0">
+                <a:solidFill>
+                  <a:schemeClr val="bg1"/>
+                </a:solidFill>
+              </a:rPr>
+              <a:t>Learn ~ Create ~ Share</a:t>
+            </a:r>
+            <a:endParaRPr lang="zh-CN" altLang="en-US" sz="800" dirty="0">
+              <a:solidFill>
+                <a:schemeClr val="bg1"/>
+              </a:solidFill>
+            </a:endParaRPr>
+          </a:p>
+        </p:txBody>
+      </p:sp>
+    </p:spTree>
+    <p:extLst>
+      <p:ext uri="{BB962C8B-B14F-4D97-AF65-F5344CB8AC3E}">
+        <p14:creationId xmlns:p14="http://schemas.microsoft.com/office/powerpoint/2010/main" val="10488805"/>
       </p:ext>
     </p:extLst>
   </p:cSld>

--- a/MoveAndJump.pptx
+++ b/MoveAndJump.pptx
@@ -7,6 +7,8 @@
   <p:sldIdLst>
     <p:sldId id="256" r:id="rId2"/>
     <p:sldId id="257" r:id="rId3"/>
+    <p:sldId id="258" r:id="rId4"/>
+    <p:sldId id="259" r:id="rId5"/>
   </p:sldIdLst>
   <p:sldSz cx="9144000" cy="6858000" type="screen4x3"/>
   <p:notesSz cx="6858000" cy="9144000"/>
@@ -289,7 +291,7 @@
           <a:p>
             <a:fld id="{530820CF-B880-4189-942D-D702A7CBA730}" type="datetimeFigureOut">
               <a:rPr lang="zh-CN" altLang="en-US" smtClean="0"/>
-              <a:t>2017/9/2</a:t>
+              <a:t>2017/9/3</a:t>
             </a:fld>
             <a:endParaRPr lang="zh-CN" altLang="en-US"/>
           </a:p>
@@ -454,7 +456,7 @@
           <a:p>
             <a:fld id="{530820CF-B880-4189-942D-D702A7CBA730}" type="datetimeFigureOut">
               <a:rPr lang="zh-CN" altLang="en-US" smtClean="0"/>
-              <a:t>2017/9/2</a:t>
+              <a:t>2017/9/3</a:t>
             </a:fld>
             <a:endParaRPr lang="zh-CN" altLang="en-US"/>
           </a:p>
@@ -629,7 +631,7 @@
           <a:p>
             <a:fld id="{530820CF-B880-4189-942D-D702A7CBA730}" type="datetimeFigureOut">
               <a:rPr lang="zh-CN" altLang="en-US" smtClean="0"/>
-              <a:t>2017/9/2</a:t>
+              <a:t>2017/9/3</a:t>
             </a:fld>
             <a:endParaRPr lang="zh-CN" altLang="en-US"/>
           </a:p>
@@ -794,7 +796,7 @@
           <a:p>
             <a:fld id="{530820CF-B880-4189-942D-D702A7CBA730}" type="datetimeFigureOut">
               <a:rPr lang="zh-CN" altLang="en-US" smtClean="0"/>
-              <a:t>2017/9/2</a:t>
+              <a:t>2017/9/3</a:t>
             </a:fld>
             <a:endParaRPr lang="zh-CN" altLang="en-US"/>
           </a:p>
@@ -1035,7 +1037,7 @@
           <a:p>
             <a:fld id="{530820CF-B880-4189-942D-D702A7CBA730}" type="datetimeFigureOut">
               <a:rPr lang="zh-CN" altLang="en-US" smtClean="0"/>
-              <a:t>2017/9/2</a:t>
+              <a:t>2017/9/3</a:t>
             </a:fld>
             <a:endParaRPr lang="zh-CN" altLang="en-US"/>
           </a:p>
@@ -1318,7 +1320,7 @@
           <a:p>
             <a:fld id="{530820CF-B880-4189-942D-D702A7CBA730}" type="datetimeFigureOut">
               <a:rPr lang="zh-CN" altLang="en-US" smtClean="0"/>
-              <a:t>2017/9/2</a:t>
+              <a:t>2017/9/3</a:t>
             </a:fld>
             <a:endParaRPr lang="zh-CN" altLang="en-US"/>
           </a:p>
@@ -1735,7 +1737,7 @@
           <a:p>
             <a:fld id="{530820CF-B880-4189-942D-D702A7CBA730}" type="datetimeFigureOut">
               <a:rPr lang="zh-CN" altLang="en-US" smtClean="0"/>
-              <a:t>2017/9/2</a:t>
+              <a:t>2017/9/3</a:t>
             </a:fld>
             <a:endParaRPr lang="zh-CN" altLang="en-US"/>
           </a:p>
@@ -1848,7 +1850,7 @@
           <a:p>
             <a:fld id="{530820CF-B880-4189-942D-D702A7CBA730}" type="datetimeFigureOut">
               <a:rPr lang="zh-CN" altLang="en-US" smtClean="0"/>
-              <a:t>2017/9/2</a:t>
+              <a:t>2017/9/3</a:t>
             </a:fld>
             <a:endParaRPr lang="zh-CN" altLang="en-US"/>
           </a:p>
@@ -1938,7 +1940,7 @@
           <a:p>
             <a:fld id="{530820CF-B880-4189-942D-D702A7CBA730}" type="datetimeFigureOut">
               <a:rPr lang="zh-CN" altLang="en-US" smtClean="0"/>
-              <a:t>2017/9/2</a:t>
+              <a:t>2017/9/3</a:t>
             </a:fld>
             <a:endParaRPr lang="zh-CN" altLang="en-US"/>
           </a:p>
@@ -2210,7 +2212,7 @@
           <a:p>
             <a:fld id="{530820CF-B880-4189-942D-D702A7CBA730}" type="datetimeFigureOut">
               <a:rPr lang="zh-CN" altLang="en-US" smtClean="0"/>
-              <a:t>2017/9/2</a:t>
+              <a:t>2017/9/3</a:t>
             </a:fld>
             <a:endParaRPr lang="zh-CN" altLang="en-US"/>
           </a:p>
@@ -2458,7 +2460,7 @@
           <a:p>
             <a:fld id="{530820CF-B880-4189-942D-D702A7CBA730}" type="datetimeFigureOut">
               <a:rPr lang="zh-CN" altLang="en-US" smtClean="0"/>
-              <a:t>2017/9/2</a:t>
+              <a:t>2017/9/3</a:t>
             </a:fld>
             <a:endParaRPr lang="zh-CN" altLang="en-US"/>
           </a:p>
@@ -2687,7 +2689,7 @@
           <a:p>
             <a:fld id="{530820CF-B880-4189-942D-D702A7CBA730}" type="datetimeFigureOut">
               <a:rPr lang="zh-CN" altLang="en-US" smtClean="0"/>
-              <a:t>2017/9/2</a:t>
+              <a:t>2017/9/3</a:t>
             </a:fld>
             <a:endParaRPr lang="zh-CN" altLang="en-US"/>
           </a:p>
@@ -5448,6 +5450,1200 @@
     <p:extLst>
       <p:ext uri="{BB962C8B-B14F-4D97-AF65-F5344CB8AC3E}">
         <p14:creationId xmlns:p14="http://schemas.microsoft.com/office/powerpoint/2010/main" val="10488805"/>
+      </p:ext>
+    </p:extLst>
+  </p:cSld>
+  <p:clrMapOvr>
+    <a:masterClrMapping/>
+  </p:clrMapOvr>
+  <p:timing>
+    <p:tnLst>
+      <p:par>
+        <p:cTn id="1" dur="indefinite" restart="never" nodeType="tmRoot"/>
+      </p:par>
+    </p:tnLst>
+  </p:timing>
+</p:sld>
+</file>
+
+<file path=ppt/slides/slide3.xml><?xml version="1.0" encoding="utf-8"?>
+<p:sld xmlns:a="http://schemas.openxmlformats.org/drawingml/2006/main" xmlns:r="http://schemas.openxmlformats.org/officeDocument/2006/relationships" xmlns:p="http://schemas.openxmlformats.org/presentationml/2006/main">
+  <p:cSld>
+    <p:spTree>
+      <p:nvGrpSpPr>
+        <p:cNvPr id="1" name=""/>
+        <p:cNvGrpSpPr/>
+        <p:nvPr/>
+      </p:nvGrpSpPr>
+      <p:grpSpPr>
+        <a:xfrm>
+          <a:off x="0" y="0"/>
+          <a:ext cx="0" cy="0"/>
+          <a:chOff x="0" y="0"/>
+          <a:chExt cx="0" cy="0"/>
+        </a:xfrm>
+      </p:grpSpPr>
+      <p:pic>
+        <p:nvPicPr>
+          <p:cNvPr id="1026" name="Picture 2"/>
+          <p:cNvPicPr>
+            <a:picLocks noChangeAspect="1" noChangeArrowheads="1"/>
+          </p:cNvPicPr>
+          <p:nvPr/>
+        </p:nvPicPr>
+        <p:blipFill>
+          <a:blip r:embed="rId2">
+            <a:extLst>
+              <a:ext uri="{28A0092B-C50C-407E-A947-70E740481C1C}">
+                <a14:useLocalDpi xmlns:a14="http://schemas.microsoft.com/office/drawing/2010/main" val="0"/>
+              </a:ext>
+            </a:extLst>
+          </a:blip>
+          <a:srcRect/>
+          <a:stretch>
+            <a:fillRect/>
+          </a:stretch>
+        </p:blipFill>
+        <p:spPr bwMode="auto">
+          <a:xfrm>
+            <a:off x="0" y="0"/>
+            <a:ext cx="9144000" cy="6858000"/>
+          </a:xfrm>
+          <a:prstGeom prst="rect">
+            <a:avLst/>
+          </a:prstGeom>
+          <a:noFill/>
+          <a:ln>
+            <a:noFill/>
+          </a:ln>
+          <a:effectLst/>
+          <a:extLst>
+            <a:ext uri="{909E8E84-426E-40DD-AFC4-6F175D3DCCD1}">
+              <a14:hiddenFill xmlns:a14="http://schemas.microsoft.com/office/drawing/2010/main">
+                <a:solidFill>
+                  <a:schemeClr val="accent1"/>
+                </a:solidFill>
+              </a14:hiddenFill>
+            </a:ext>
+            <a:ext uri="{91240B29-F687-4F45-9708-019B960494DF}">
+              <a14:hiddenLine xmlns:a14="http://schemas.microsoft.com/office/drawing/2010/main" w="9525">
+                <a:solidFill>
+                  <a:schemeClr val="tx1"/>
+                </a:solidFill>
+                <a:miter lim="800000"/>
+                <a:headEnd/>
+                <a:tailEnd/>
+              </a14:hiddenLine>
+            </a:ext>
+            <a:ext uri="{AF507438-7753-43E0-B8FC-AC1667EBCBE1}">
+              <a14:hiddenEffects xmlns:a14="http://schemas.microsoft.com/office/drawing/2010/main">
+                <a:effectLst>
+                  <a:outerShdw dist="35921" dir="2700000" algn="ctr" rotWithShape="0">
+                    <a:schemeClr val="bg2"/>
+                  </a:outerShdw>
+                </a:effectLst>
+              </a14:hiddenEffects>
+            </a:ext>
+          </a:extLst>
+        </p:spPr>
+      </p:pic>
+      <p:sp>
+        <p:nvSpPr>
+          <p:cNvPr id="4" name="TextBox 3"/>
+          <p:cNvSpPr txBox="1"/>
+          <p:nvPr/>
+        </p:nvSpPr>
+        <p:spPr>
+          <a:xfrm>
+            <a:off x="6444208" y="404664"/>
+            <a:ext cx="1714059" cy="369332"/>
+          </a:xfrm>
+          <a:prstGeom prst="rect">
+            <a:avLst/>
+          </a:prstGeom>
+          <a:noFill/>
+        </p:spPr>
+        <p:txBody>
+          <a:bodyPr wrap="none" rtlCol="0">
+            <a:spAutoFit/>
+          </a:bodyPr>
+          <a:lstStyle/>
+          <a:p>
+            <a:r>
+              <a:rPr lang="en-US" altLang="zh-CN" dirty="0" smtClean="0">
+                <a:solidFill>
+                  <a:schemeClr val="bg1"/>
+                </a:solidFill>
+              </a:rPr>
+              <a:t>Rotate Around Y</a:t>
+            </a:r>
+            <a:endParaRPr lang="zh-CN" altLang="en-US" dirty="0">
+              <a:solidFill>
+                <a:schemeClr val="bg1"/>
+              </a:solidFill>
+            </a:endParaRPr>
+          </a:p>
+        </p:txBody>
+      </p:sp>
+    </p:spTree>
+    <p:extLst>
+      <p:ext uri="{BB962C8B-B14F-4D97-AF65-F5344CB8AC3E}">
+        <p14:creationId xmlns:p14="http://schemas.microsoft.com/office/powerpoint/2010/main" val="3152001152"/>
+      </p:ext>
+    </p:extLst>
+  </p:cSld>
+  <p:clrMapOvr>
+    <a:masterClrMapping/>
+  </p:clrMapOvr>
+  <p:timing>
+    <p:tnLst>
+      <p:par>
+        <p:cTn id="1" dur="indefinite" restart="never" nodeType="tmRoot"/>
+      </p:par>
+    </p:tnLst>
+  </p:timing>
+</p:sld>
+</file>
+
+<file path=ppt/slides/slide4.xml><?xml version="1.0" encoding="utf-8"?>
+<p:sld xmlns:a="http://schemas.openxmlformats.org/drawingml/2006/main" xmlns:r="http://schemas.openxmlformats.org/officeDocument/2006/relationships" xmlns:p="http://schemas.openxmlformats.org/presentationml/2006/main">
+  <p:cSld>
+    <p:spTree>
+      <p:nvGrpSpPr>
+        <p:cNvPr id="1" name=""/>
+        <p:cNvGrpSpPr/>
+        <p:nvPr/>
+      </p:nvGrpSpPr>
+      <p:grpSpPr>
+        <a:xfrm>
+          <a:off x="0" y="0"/>
+          <a:ext cx="0" cy="0"/>
+          <a:chOff x="0" y="0"/>
+          <a:chExt cx="0" cy="0"/>
+        </a:xfrm>
+      </p:grpSpPr>
+      <p:sp>
+        <p:nvSpPr>
+          <p:cNvPr id="10" name="TextBox 9"/>
+          <p:cNvSpPr txBox="1"/>
+          <p:nvPr/>
+        </p:nvSpPr>
+        <p:spPr>
+          <a:xfrm>
+            <a:off x="0" y="0"/>
+            <a:ext cx="2102948" cy="400110"/>
+          </a:xfrm>
+          <a:prstGeom prst="rect">
+            <a:avLst/>
+          </a:prstGeom>
+          <a:noFill/>
+        </p:spPr>
+        <p:txBody>
+          <a:bodyPr wrap="none" rtlCol="0">
+            <a:spAutoFit/>
+          </a:bodyPr>
+          <a:lstStyle/>
+          <a:p>
+            <a:r>
+              <a:rPr lang="en-US" altLang="zh-CN" sz="2000" dirty="0" smtClean="0">
+                <a:solidFill>
+                  <a:schemeClr val="bg1"/>
+                </a:solidFill>
+                <a:latin typeface="微软雅黑" pitchFamily="34" charset="-122"/>
+                <a:ea typeface="微软雅黑" pitchFamily="34" charset="-122"/>
+              </a:rPr>
+              <a:t>Rotate Round X</a:t>
+            </a:r>
+            <a:endParaRPr lang="zh-CN" altLang="en-US" sz="2000" dirty="0">
+              <a:solidFill>
+                <a:schemeClr val="bg1"/>
+              </a:solidFill>
+              <a:latin typeface="微软雅黑" pitchFamily="34" charset="-122"/>
+              <a:ea typeface="微软雅黑" pitchFamily="34" charset="-122"/>
+            </a:endParaRPr>
+          </a:p>
+        </p:txBody>
+      </p:sp>
+      <p:sp>
+        <p:nvSpPr>
+          <p:cNvPr id="47" name="TextBox 46"/>
+          <p:cNvSpPr txBox="1"/>
+          <p:nvPr/>
+        </p:nvSpPr>
+        <p:spPr>
+          <a:xfrm>
+            <a:off x="8050727" y="6304002"/>
+            <a:ext cx="1060227" cy="369332"/>
+          </a:xfrm>
+          <a:prstGeom prst="rect">
+            <a:avLst/>
+          </a:prstGeom>
+          <a:noFill/>
+        </p:spPr>
+        <p:txBody>
+          <a:bodyPr wrap="none" rtlCol="0">
+            <a:spAutoFit/>
+          </a:bodyPr>
+          <a:lstStyle/>
+          <a:p>
+            <a:r>
+              <a:rPr lang="en-US" altLang="zh-CN" dirty="0" smtClean="0">
+                <a:solidFill>
+                  <a:srgbClr val="00B0F0"/>
+                </a:solidFill>
+              </a:rPr>
+              <a:t>DomTech</a:t>
+            </a:r>
+            <a:endParaRPr lang="zh-CN" altLang="en-US" dirty="0">
+              <a:solidFill>
+                <a:srgbClr val="00B0F0"/>
+              </a:solidFill>
+            </a:endParaRPr>
+          </a:p>
+        </p:txBody>
+      </p:sp>
+      <p:sp>
+        <p:nvSpPr>
+          <p:cNvPr id="48" name="TextBox 47"/>
+          <p:cNvSpPr txBox="1"/>
+          <p:nvPr/>
+        </p:nvSpPr>
+        <p:spPr>
+          <a:xfrm>
+            <a:off x="7921219" y="6629583"/>
+            <a:ext cx="1124026" cy="215444"/>
+          </a:xfrm>
+          <a:prstGeom prst="rect">
+            <a:avLst/>
+          </a:prstGeom>
+          <a:noFill/>
+        </p:spPr>
+        <p:txBody>
+          <a:bodyPr wrap="none" rtlCol="0">
+            <a:spAutoFit/>
+          </a:bodyPr>
+          <a:lstStyle/>
+          <a:p>
+            <a:r>
+              <a:rPr lang="en-US" altLang="zh-CN" sz="800" dirty="0" smtClean="0">
+                <a:solidFill>
+                  <a:schemeClr val="bg1"/>
+                </a:solidFill>
+              </a:rPr>
+              <a:t>Learn ~ Create ~ Share</a:t>
+            </a:r>
+            <a:endParaRPr lang="zh-CN" altLang="en-US" sz="800" dirty="0">
+              <a:solidFill>
+                <a:schemeClr val="bg1"/>
+              </a:solidFill>
+            </a:endParaRPr>
+          </a:p>
+        </p:txBody>
+      </p:sp>
+      <p:sp>
+        <p:nvSpPr>
+          <p:cNvPr id="3" name="椭圆 2"/>
+          <p:cNvSpPr/>
+          <p:nvPr/>
+        </p:nvSpPr>
+        <p:spPr>
+          <a:xfrm>
+            <a:off x="323528" y="1340768"/>
+            <a:ext cx="648072" cy="288032"/>
+          </a:xfrm>
+          <a:prstGeom prst="ellipse">
+            <a:avLst/>
+          </a:prstGeom>
+          <a:solidFill>
+            <a:schemeClr val="bg1"/>
+          </a:solidFill>
+          <a:ln>
+            <a:solidFill>
+              <a:schemeClr val="bg1"/>
+            </a:solidFill>
+          </a:ln>
+        </p:spPr>
+        <p:style>
+          <a:lnRef idx="2">
+            <a:schemeClr val="accent1">
+              <a:shade val="50000"/>
+            </a:schemeClr>
+          </a:lnRef>
+          <a:fillRef idx="1">
+            <a:schemeClr val="accent1"/>
+          </a:fillRef>
+          <a:effectRef idx="0">
+            <a:schemeClr val="accent1"/>
+          </a:effectRef>
+          <a:fontRef idx="minor">
+            <a:schemeClr val="lt1"/>
+          </a:fontRef>
+        </p:style>
+        <p:txBody>
+          <a:bodyPr rtlCol="0" anchor="ctr"/>
+          <a:lstStyle/>
+          <a:p>
+            <a:pPr algn="ctr"/>
+            <a:endParaRPr lang="zh-CN" altLang="en-US"/>
+          </a:p>
+        </p:txBody>
+      </p:sp>
+      <p:sp>
+        <p:nvSpPr>
+          <p:cNvPr id="4" name="椭圆 3"/>
+          <p:cNvSpPr/>
+          <p:nvPr/>
+        </p:nvSpPr>
+        <p:spPr>
+          <a:xfrm>
+            <a:off x="539552" y="1340768"/>
+            <a:ext cx="216024" cy="288032"/>
+          </a:xfrm>
+          <a:prstGeom prst="ellipse">
+            <a:avLst/>
+          </a:prstGeom>
+          <a:solidFill>
+            <a:schemeClr val="tx1"/>
+          </a:solidFill>
+          <a:ln>
+            <a:solidFill>
+              <a:schemeClr val="tx1"/>
+            </a:solidFill>
+          </a:ln>
+        </p:spPr>
+        <p:style>
+          <a:lnRef idx="2">
+            <a:schemeClr val="accent1">
+              <a:shade val="50000"/>
+            </a:schemeClr>
+          </a:lnRef>
+          <a:fillRef idx="1">
+            <a:schemeClr val="accent1"/>
+          </a:fillRef>
+          <a:effectRef idx="0">
+            <a:schemeClr val="accent1"/>
+          </a:effectRef>
+          <a:fontRef idx="minor">
+            <a:schemeClr val="lt1"/>
+          </a:fontRef>
+        </p:style>
+        <p:txBody>
+          <a:bodyPr rtlCol="0" anchor="ctr"/>
+          <a:lstStyle/>
+          <a:p>
+            <a:pPr algn="ctr"/>
+            <a:endParaRPr lang="zh-CN" altLang="en-US"/>
+          </a:p>
+        </p:txBody>
+      </p:sp>
+      <p:cxnSp>
+        <p:nvCxnSpPr>
+          <p:cNvPr id="7" name="直接箭头连接符 6"/>
+          <p:cNvCxnSpPr/>
+          <p:nvPr/>
+        </p:nvCxnSpPr>
+        <p:spPr>
+          <a:xfrm>
+            <a:off x="1259632" y="1484784"/>
+            <a:ext cx="5040560" cy="0"/>
+          </a:xfrm>
+          <a:prstGeom prst="straightConnector1">
+            <a:avLst/>
+          </a:prstGeom>
+          <a:ln>
+            <a:solidFill>
+              <a:schemeClr val="bg1"/>
+            </a:solidFill>
+            <a:tailEnd type="arrow"/>
+          </a:ln>
+        </p:spPr>
+        <p:style>
+          <a:lnRef idx="3">
+            <a:schemeClr val="accent1"/>
+          </a:lnRef>
+          <a:fillRef idx="0">
+            <a:schemeClr val="accent1"/>
+          </a:fillRef>
+          <a:effectRef idx="2">
+            <a:schemeClr val="accent1"/>
+          </a:effectRef>
+          <a:fontRef idx="minor">
+            <a:schemeClr val="tx1"/>
+          </a:fontRef>
+        </p:style>
+      </p:cxnSp>
+      <p:sp>
+        <p:nvSpPr>
+          <p:cNvPr id="8" name="TextBox 7"/>
+          <p:cNvSpPr txBox="1"/>
+          <p:nvPr/>
+        </p:nvSpPr>
+        <p:spPr>
+          <a:xfrm>
+            <a:off x="6300192" y="1124744"/>
+            <a:ext cx="292068" cy="369332"/>
+          </a:xfrm>
+          <a:prstGeom prst="rect">
+            <a:avLst/>
+          </a:prstGeom>
+          <a:noFill/>
+        </p:spPr>
+        <p:txBody>
+          <a:bodyPr wrap="none" rtlCol="0">
+            <a:spAutoFit/>
+          </a:bodyPr>
+          <a:lstStyle/>
+          <a:p>
+            <a:r>
+              <a:rPr lang="en-US" altLang="zh-CN" dirty="0" smtClean="0">
+                <a:solidFill>
+                  <a:schemeClr val="bg1"/>
+                </a:solidFill>
+              </a:rPr>
+              <a:t>Z</a:t>
+            </a:r>
+            <a:endParaRPr lang="zh-CN" altLang="en-US" dirty="0">
+              <a:solidFill>
+                <a:schemeClr val="bg1"/>
+              </a:solidFill>
+            </a:endParaRPr>
+          </a:p>
+        </p:txBody>
+      </p:sp>
+      <p:cxnSp>
+        <p:nvCxnSpPr>
+          <p:cNvPr id="20" name="直接箭头连接符 19"/>
+          <p:cNvCxnSpPr/>
+          <p:nvPr/>
+        </p:nvCxnSpPr>
+        <p:spPr>
+          <a:xfrm flipV="1">
+            <a:off x="4644008" y="400110"/>
+            <a:ext cx="0" cy="5903892"/>
+          </a:xfrm>
+          <a:prstGeom prst="straightConnector1">
+            <a:avLst/>
+          </a:prstGeom>
+          <a:ln>
+            <a:solidFill>
+              <a:schemeClr val="bg1"/>
+            </a:solidFill>
+            <a:tailEnd type="arrow"/>
+          </a:ln>
+        </p:spPr>
+        <p:style>
+          <a:lnRef idx="3">
+            <a:schemeClr val="accent1"/>
+          </a:lnRef>
+          <a:fillRef idx="0">
+            <a:schemeClr val="accent1"/>
+          </a:fillRef>
+          <a:effectRef idx="2">
+            <a:schemeClr val="accent1"/>
+          </a:effectRef>
+          <a:fontRef idx="minor">
+            <a:schemeClr val="tx1"/>
+          </a:fontRef>
+        </p:style>
+      </p:cxnSp>
+      <p:sp>
+        <p:nvSpPr>
+          <p:cNvPr id="25" name="TextBox 24"/>
+          <p:cNvSpPr txBox="1"/>
+          <p:nvPr/>
+        </p:nvSpPr>
+        <p:spPr>
+          <a:xfrm>
+            <a:off x="4860032" y="215444"/>
+            <a:ext cx="296876" cy="369332"/>
+          </a:xfrm>
+          <a:prstGeom prst="rect">
+            <a:avLst/>
+          </a:prstGeom>
+          <a:noFill/>
+        </p:spPr>
+        <p:txBody>
+          <a:bodyPr wrap="none" rtlCol="0">
+            <a:spAutoFit/>
+          </a:bodyPr>
+          <a:lstStyle/>
+          <a:p>
+            <a:r>
+              <a:rPr lang="en-US" altLang="zh-CN" dirty="0">
+                <a:solidFill>
+                  <a:schemeClr val="bg1"/>
+                </a:solidFill>
+              </a:rPr>
+              <a:t>Y</a:t>
+            </a:r>
+            <a:endParaRPr lang="zh-CN" altLang="en-US" dirty="0">
+              <a:solidFill>
+                <a:schemeClr val="bg1"/>
+              </a:solidFill>
+            </a:endParaRPr>
+          </a:p>
+        </p:txBody>
+      </p:sp>
+      <p:sp>
+        <p:nvSpPr>
+          <p:cNvPr id="14" name="笑脸 13"/>
+          <p:cNvSpPr/>
+          <p:nvPr/>
+        </p:nvSpPr>
+        <p:spPr>
+          <a:xfrm>
+            <a:off x="4716016" y="3573016"/>
+            <a:ext cx="432048" cy="360040"/>
+          </a:xfrm>
+          <a:prstGeom prst="smileyFace">
+            <a:avLst/>
+          </a:prstGeom>
+          <a:solidFill>
+            <a:srgbClr val="FFFF00"/>
+          </a:solidFill>
+          <a:ln>
+            <a:solidFill>
+              <a:schemeClr val="tx1"/>
+            </a:solidFill>
+          </a:ln>
+        </p:spPr>
+        <p:style>
+          <a:lnRef idx="2">
+            <a:schemeClr val="accent1">
+              <a:shade val="50000"/>
+            </a:schemeClr>
+          </a:lnRef>
+          <a:fillRef idx="1">
+            <a:schemeClr val="accent1"/>
+          </a:fillRef>
+          <a:effectRef idx="0">
+            <a:schemeClr val="accent1"/>
+          </a:effectRef>
+          <a:fontRef idx="minor">
+            <a:schemeClr val="lt1"/>
+          </a:fontRef>
+        </p:style>
+        <p:txBody>
+          <a:bodyPr rtlCol="0" anchor="ctr"/>
+          <a:lstStyle/>
+          <a:p>
+            <a:pPr algn="ctr"/>
+            <a:endParaRPr lang="zh-CN" altLang="en-US"/>
+          </a:p>
+        </p:txBody>
+      </p:sp>
+      <p:cxnSp>
+        <p:nvCxnSpPr>
+          <p:cNvPr id="27" name="直接箭头连接符 26"/>
+          <p:cNvCxnSpPr/>
+          <p:nvPr/>
+        </p:nvCxnSpPr>
+        <p:spPr>
+          <a:xfrm>
+            <a:off x="1259632" y="1494076"/>
+            <a:ext cx="3384376" cy="2799020"/>
+          </a:xfrm>
+          <a:prstGeom prst="straightConnector1">
+            <a:avLst/>
+          </a:prstGeom>
+          <a:ln>
+            <a:tailEnd type="arrow"/>
+          </a:ln>
+        </p:spPr>
+        <p:style>
+          <a:lnRef idx="2">
+            <a:schemeClr val="accent3"/>
+          </a:lnRef>
+          <a:fillRef idx="0">
+            <a:schemeClr val="accent3"/>
+          </a:fillRef>
+          <a:effectRef idx="1">
+            <a:schemeClr val="accent3"/>
+          </a:effectRef>
+          <a:fontRef idx="minor">
+            <a:schemeClr val="tx1"/>
+          </a:fontRef>
+        </p:style>
+      </p:cxnSp>
+      <p:cxnSp>
+        <p:nvCxnSpPr>
+          <p:cNvPr id="30" name="直接箭头连接符 29"/>
+          <p:cNvCxnSpPr/>
+          <p:nvPr/>
+        </p:nvCxnSpPr>
+        <p:spPr>
+          <a:xfrm>
+            <a:off x="1259632" y="1494076"/>
+            <a:ext cx="3384376" cy="4743236"/>
+          </a:xfrm>
+          <a:prstGeom prst="straightConnector1">
+            <a:avLst/>
+          </a:prstGeom>
+          <a:ln>
+            <a:tailEnd type="arrow"/>
+          </a:ln>
+        </p:spPr>
+        <p:style>
+          <a:lnRef idx="2">
+            <a:schemeClr val="accent3"/>
+          </a:lnRef>
+          <a:fillRef idx="0">
+            <a:schemeClr val="accent3"/>
+          </a:fillRef>
+          <a:effectRef idx="1">
+            <a:schemeClr val="accent3"/>
+          </a:effectRef>
+          <a:fontRef idx="minor">
+            <a:schemeClr val="tx1"/>
+          </a:fontRef>
+        </p:style>
+      </p:cxnSp>
+      <p:cxnSp>
+        <p:nvCxnSpPr>
+          <p:cNvPr id="33" name="直接箭头连接符 32"/>
+          <p:cNvCxnSpPr/>
+          <p:nvPr/>
+        </p:nvCxnSpPr>
+        <p:spPr>
+          <a:xfrm>
+            <a:off x="1259632" y="1494076"/>
+            <a:ext cx="3384376" cy="1475710"/>
+          </a:xfrm>
+          <a:prstGeom prst="straightConnector1">
+            <a:avLst/>
+          </a:prstGeom>
+          <a:ln>
+            <a:tailEnd type="arrow"/>
+          </a:ln>
+        </p:spPr>
+        <p:style>
+          <a:lnRef idx="2">
+            <a:schemeClr val="accent3"/>
+          </a:lnRef>
+          <a:fillRef idx="0">
+            <a:schemeClr val="accent3"/>
+          </a:fillRef>
+          <a:effectRef idx="1">
+            <a:schemeClr val="accent3"/>
+          </a:effectRef>
+          <a:fontRef idx="minor">
+            <a:schemeClr val="tx1"/>
+          </a:fontRef>
+        </p:style>
+      </p:cxnSp>
+      <p:sp>
+        <p:nvSpPr>
+          <p:cNvPr id="22" name="椭圆 21"/>
+          <p:cNvSpPr/>
+          <p:nvPr/>
+        </p:nvSpPr>
+        <p:spPr>
+          <a:xfrm>
+            <a:off x="4716016" y="4221088"/>
+            <a:ext cx="440892" cy="360040"/>
+          </a:xfrm>
+          <a:prstGeom prst="ellipse">
+            <a:avLst/>
+          </a:prstGeom>
+          <a:solidFill>
+            <a:srgbClr val="FFFF00"/>
+          </a:solidFill>
+        </p:spPr>
+        <p:style>
+          <a:lnRef idx="2">
+            <a:schemeClr val="accent1">
+              <a:shade val="50000"/>
+            </a:schemeClr>
+          </a:lnRef>
+          <a:fillRef idx="1">
+            <a:schemeClr val="accent1"/>
+          </a:fillRef>
+          <a:effectRef idx="0">
+            <a:schemeClr val="accent1"/>
+          </a:effectRef>
+          <a:fontRef idx="minor">
+            <a:schemeClr val="lt1"/>
+          </a:fontRef>
+        </p:style>
+        <p:txBody>
+          <a:bodyPr rtlCol="0" anchor="ctr"/>
+          <a:lstStyle/>
+          <a:p>
+            <a:pPr algn="ctr"/>
+            <a:r>
+              <a:rPr lang="en-US" altLang="zh-CN" dirty="0" smtClean="0">
+                <a:solidFill>
+                  <a:schemeClr val="tx1"/>
+                </a:solidFill>
+              </a:rPr>
+              <a:t>0</a:t>
+            </a:r>
+            <a:endParaRPr lang="zh-CN" altLang="en-US" dirty="0">
+              <a:solidFill>
+                <a:schemeClr val="tx1"/>
+              </a:solidFill>
+            </a:endParaRPr>
+          </a:p>
+        </p:txBody>
+      </p:sp>
+      <p:sp>
+        <p:nvSpPr>
+          <p:cNvPr id="37" name="椭圆 36"/>
+          <p:cNvSpPr/>
+          <p:nvPr/>
+        </p:nvSpPr>
+        <p:spPr>
+          <a:xfrm>
+            <a:off x="4707172" y="2789766"/>
+            <a:ext cx="440892" cy="360040"/>
+          </a:xfrm>
+          <a:prstGeom prst="ellipse">
+            <a:avLst/>
+          </a:prstGeom>
+          <a:solidFill>
+            <a:srgbClr val="FFFF00"/>
+          </a:solidFill>
+        </p:spPr>
+        <p:style>
+          <a:lnRef idx="2">
+            <a:schemeClr val="accent1">
+              <a:shade val="50000"/>
+            </a:schemeClr>
+          </a:lnRef>
+          <a:fillRef idx="1">
+            <a:schemeClr val="accent1"/>
+          </a:fillRef>
+          <a:effectRef idx="0">
+            <a:schemeClr val="accent1"/>
+          </a:effectRef>
+          <a:fontRef idx="minor">
+            <a:schemeClr val="lt1"/>
+          </a:fontRef>
+        </p:style>
+        <p:txBody>
+          <a:bodyPr rtlCol="0" anchor="ctr"/>
+          <a:lstStyle/>
+          <a:p>
+            <a:pPr algn="ctr"/>
+            <a:r>
+              <a:rPr lang="en-US" altLang="zh-CN" dirty="0">
+                <a:solidFill>
+                  <a:schemeClr val="tx1"/>
+                </a:solidFill>
+              </a:rPr>
+              <a:t>1</a:t>
+            </a:r>
+            <a:endParaRPr lang="zh-CN" altLang="en-US" dirty="0">
+              <a:solidFill>
+                <a:schemeClr val="tx1"/>
+              </a:solidFill>
+            </a:endParaRPr>
+          </a:p>
+        </p:txBody>
+      </p:sp>
+      <p:sp>
+        <p:nvSpPr>
+          <p:cNvPr id="39" name="椭圆 38"/>
+          <p:cNvSpPr/>
+          <p:nvPr/>
+        </p:nvSpPr>
+        <p:spPr>
+          <a:xfrm>
+            <a:off x="4716016" y="6057292"/>
+            <a:ext cx="440892" cy="360040"/>
+          </a:xfrm>
+          <a:prstGeom prst="ellipse">
+            <a:avLst/>
+          </a:prstGeom>
+          <a:solidFill>
+            <a:srgbClr val="FFFF00"/>
+          </a:solidFill>
+        </p:spPr>
+        <p:style>
+          <a:lnRef idx="2">
+            <a:schemeClr val="accent1">
+              <a:shade val="50000"/>
+            </a:schemeClr>
+          </a:lnRef>
+          <a:fillRef idx="1">
+            <a:schemeClr val="accent1"/>
+          </a:fillRef>
+          <a:effectRef idx="0">
+            <a:schemeClr val="accent1"/>
+          </a:effectRef>
+          <a:fontRef idx="minor">
+            <a:schemeClr val="lt1"/>
+          </a:fontRef>
+        </p:style>
+        <p:txBody>
+          <a:bodyPr rtlCol="0" anchor="ctr"/>
+          <a:lstStyle/>
+          <a:p>
+            <a:pPr algn="ctr"/>
+            <a:r>
+              <a:rPr lang="en-US" altLang="zh-CN" dirty="0" smtClean="0">
+                <a:solidFill>
+                  <a:schemeClr val="tx1"/>
+                </a:solidFill>
+              </a:rPr>
+              <a:t>2</a:t>
+            </a:r>
+            <a:endParaRPr lang="zh-CN" altLang="en-US" dirty="0">
+              <a:solidFill>
+                <a:schemeClr val="tx1"/>
+              </a:solidFill>
+            </a:endParaRPr>
+          </a:p>
+        </p:txBody>
+      </p:sp>
+      <p:sp>
+        <p:nvSpPr>
+          <p:cNvPr id="23" name="TextBox 22"/>
+          <p:cNvSpPr txBox="1"/>
+          <p:nvPr/>
+        </p:nvSpPr>
+        <p:spPr>
+          <a:xfrm>
+            <a:off x="1765996" y="1514968"/>
+            <a:ext cx="336952" cy="369332"/>
+          </a:xfrm>
+          <a:prstGeom prst="rect">
+            <a:avLst/>
+          </a:prstGeom>
+          <a:noFill/>
+        </p:spPr>
+        <p:txBody>
+          <a:bodyPr wrap="none" rtlCol="0">
+            <a:spAutoFit/>
+          </a:bodyPr>
+          <a:lstStyle/>
+          <a:p>
+            <a:r>
+              <a:rPr lang="az-Cyrl-AZ" altLang="zh-CN" dirty="0" smtClean="0">
+                <a:solidFill>
+                  <a:schemeClr val="bg1"/>
+                </a:solidFill>
+              </a:rPr>
+              <a:t>Ѳ</a:t>
+            </a:r>
+            <a:endParaRPr lang="zh-CN" altLang="en-US" dirty="0">
+              <a:solidFill>
+                <a:schemeClr val="bg1"/>
+              </a:solidFill>
+            </a:endParaRPr>
+          </a:p>
+        </p:txBody>
+      </p:sp>
+      <p:sp>
+        <p:nvSpPr>
+          <p:cNvPr id="24" name="弧形 23"/>
+          <p:cNvSpPr/>
+          <p:nvPr/>
+        </p:nvSpPr>
+        <p:spPr>
+          <a:xfrm rot="3797113">
+            <a:off x="1235714" y="1215755"/>
+            <a:ext cx="915324" cy="926812"/>
+          </a:xfrm>
+          <a:prstGeom prst="arc">
+            <a:avLst>
+              <a:gd name="adj1" fmla="val 16200000"/>
+              <a:gd name="adj2" fmla="val 21136202"/>
+            </a:avLst>
+          </a:prstGeom>
+        </p:spPr>
+        <p:style>
+          <a:lnRef idx="3">
+            <a:schemeClr val="accent1"/>
+          </a:lnRef>
+          <a:fillRef idx="0">
+            <a:schemeClr val="accent1"/>
+          </a:fillRef>
+          <a:effectRef idx="2">
+            <a:schemeClr val="accent1"/>
+          </a:effectRef>
+          <a:fontRef idx="minor">
+            <a:schemeClr val="tx1"/>
+          </a:fontRef>
+        </p:style>
+        <p:txBody>
+          <a:bodyPr rtlCol="0" anchor="ctr"/>
+          <a:lstStyle/>
+          <a:p>
+            <a:pPr algn="ctr"/>
+            <a:endParaRPr lang="zh-CN" altLang="en-US"/>
+          </a:p>
+        </p:txBody>
+      </p:sp>
+      <p:sp>
+        <p:nvSpPr>
+          <p:cNvPr id="45" name="弧形 44"/>
+          <p:cNvSpPr/>
+          <p:nvPr/>
+        </p:nvSpPr>
+        <p:spPr>
+          <a:xfrm rot="3797113">
+            <a:off x="1388114" y="1368155"/>
+            <a:ext cx="915324" cy="926812"/>
+          </a:xfrm>
+          <a:prstGeom prst="arc">
+            <a:avLst>
+              <a:gd name="adj1" fmla="val 18571111"/>
+              <a:gd name="adj2" fmla="val 21136202"/>
+            </a:avLst>
+          </a:prstGeom>
+        </p:spPr>
+        <p:style>
+          <a:lnRef idx="3">
+            <a:schemeClr val="accent2"/>
+          </a:lnRef>
+          <a:fillRef idx="0">
+            <a:schemeClr val="accent2"/>
+          </a:fillRef>
+          <a:effectRef idx="2">
+            <a:schemeClr val="accent2"/>
+          </a:effectRef>
+          <a:fontRef idx="minor">
+            <a:schemeClr val="tx1"/>
+          </a:fontRef>
+        </p:style>
+        <p:txBody>
+          <a:bodyPr rtlCol="0" anchor="ctr"/>
+          <a:lstStyle/>
+          <a:p>
+            <a:pPr algn="ctr"/>
+            <a:endParaRPr lang="zh-CN" altLang="en-US"/>
+          </a:p>
+        </p:txBody>
+      </p:sp>
+      <p:sp>
+        <p:nvSpPr>
+          <p:cNvPr id="29" name="TextBox 28"/>
+          <p:cNvSpPr txBox="1"/>
+          <p:nvPr/>
+        </p:nvSpPr>
+        <p:spPr>
+          <a:xfrm>
+            <a:off x="2195736" y="1999762"/>
+            <a:ext cx="421910" cy="307777"/>
+          </a:xfrm>
+          <a:prstGeom prst="rect">
+            <a:avLst/>
+          </a:prstGeom>
+          <a:noFill/>
+        </p:spPr>
+        <p:txBody>
+          <a:bodyPr wrap="none" rtlCol="0">
+            <a:spAutoFit/>
+          </a:bodyPr>
+          <a:lstStyle/>
+          <a:p>
+            <a:r>
+              <a:rPr lang="en-US" altLang="zh-CN" sz="1400" dirty="0" smtClean="0">
+                <a:solidFill>
+                  <a:schemeClr val="bg1"/>
+                </a:solidFill>
+              </a:rPr>
+              <a:t>30f</a:t>
+            </a:r>
+            <a:endParaRPr lang="zh-CN" altLang="en-US" sz="1400" dirty="0">
+              <a:solidFill>
+                <a:schemeClr val="bg1"/>
+              </a:solidFill>
+            </a:endParaRPr>
+          </a:p>
+        </p:txBody>
+      </p:sp>
+      <p:sp>
+        <p:nvSpPr>
+          <p:cNvPr id="31" name="TextBox 30"/>
+          <p:cNvSpPr txBox="1"/>
+          <p:nvPr/>
+        </p:nvSpPr>
+        <p:spPr>
+          <a:xfrm>
+            <a:off x="3635896" y="1207785"/>
+            <a:ext cx="850682" cy="276999"/>
+          </a:xfrm>
+          <a:prstGeom prst="rect">
+            <a:avLst/>
+          </a:prstGeom>
+          <a:noFill/>
+        </p:spPr>
+        <p:txBody>
+          <a:bodyPr wrap="none" rtlCol="0">
+            <a:spAutoFit/>
+          </a:bodyPr>
+          <a:lstStyle/>
+          <a:p>
+            <a:r>
+              <a:rPr lang="en-US" altLang="zh-CN" sz="1200" dirty="0">
+                <a:solidFill>
+                  <a:schemeClr val="bg1"/>
+                </a:solidFill>
+              </a:rPr>
+              <a:t>zeroPointY</a:t>
+            </a:r>
+            <a:endParaRPr lang="zh-CN" altLang="en-US" sz="1200" dirty="0">
+              <a:solidFill>
+                <a:schemeClr val="bg1"/>
+              </a:solidFill>
+            </a:endParaRPr>
+          </a:p>
+        </p:txBody>
+      </p:sp>
+      <p:cxnSp>
+        <p:nvCxnSpPr>
+          <p:cNvPr id="40" name="直接箭头连接符 39"/>
+          <p:cNvCxnSpPr>
+            <a:stCxn id="49" idx="5"/>
+          </p:cNvCxnSpPr>
+          <p:nvPr/>
+        </p:nvCxnSpPr>
+        <p:spPr>
+          <a:xfrm>
+            <a:off x="4360063" y="1135569"/>
+            <a:ext cx="283945" cy="349215"/>
+          </a:xfrm>
+          <a:prstGeom prst="straightConnector1">
+            <a:avLst/>
+          </a:prstGeom>
+          <a:ln>
+            <a:solidFill>
+              <a:schemeClr val="bg1"/>
+            </a:solidFill>
+            <a:tailEnd type="arrow"/>
+          </a:ln>
+        </p:spPr>
+        <p:style>
+          <a:lnRef idx="2">
+            <a:schemeClr val="accent1"/>
+          </a:lnRef>
+          <a:fillRef idx="0">
+            <a:schemeClr val="accent1"/>
+          </a:fillRef>
+          <a:effectRef idx="1">
+            <a:schemeClr val="accent1"/>
+          </a:effectRef>
+          <a:fontRef idx="minor">
+            <a:schemeClr val="tx1"/>
+          </a:fontRef>
+        </p:style>
+      </p:cxnSp>
+      <p:sp>
+        <p:nvSpPr>
+          <p:cNvPr id="49" name="椭圆 48"/>
+          <p:cNvSpPr/>
+          <p:nvPr/>
+        </p:nvSpPr>
+        <p:spPr>
+          <a:xfrm>
+            <a:off x="3983738" y="828256"/>
+            <a:ext cx="440892" cy="360040"/>
+          </a:xfrm>
+          <a:prstGeom prst="ellipse">
+            <a:avLst/>
+          </a:prstGeom>
+          <a:solidFill>
+            <a:srgbClr val="FFFF00"/>
+          </a:solidFill>
+        </p:spPr>
+        <p:style>
+          <a:lnRef idx="2">
+            <a:schemeClr val="accent1">
+              <a:shade val="50000"/>
+            </a:schemeClr>
+          </a:lnRef>
+          <a:fillRef idx="1">
+            <a:schemeClr val="accent1"/>
+          </a:fillRef>
+          <a:effectRef idx="0">
+            <a:schemeClr val="accent1"/>
+          </a:effectRef>
+          <a:fontRef idx="minor">
+            <a:schemeClr val="lt1"/>
+          </a:fontRef>
+        </p:style>
+        <p:txBody>
+          <a:bodyPr rtlCol="0" anchor="ctr"/>
+          <a:lstStyle/>
+          <a:p>
+            <a:pPr algn="ctr"/>
+            <a:r>
+              <a:rPr lang="en-US" altLang="zh-CN" dirty="0" smtClean="0">
+                <a:solidFill>
+                  <a:schemeClr val="tx1"/>
+                </a:solidFill>
+              </a:rPr>
+              <a:t>3</a:t>
+            </a:r>
+            <a:endParaRPr lang="zh-CN" altLang="en-US" dirty="0">
+              <a:solidFill>
+                <a:schemeClr val="tx1"/>
+              </a:solidFill>
+            </a:endParaRPr>
+          </a:p>
+        </p:txBody>
+      </p:sp>
+      <p:sp>
+        <p:nvSpPr>
+          <p:cNvPr id="53" name="椭圆 52"/>
+          <p:cNvSpPr/>
+          <p:nvPr/>
+        </p:nvSpPr>
+        <p:spPr>
+          <a:xfrm>
+            <a:off x="427118" y="882008"/>
+            <a:ext cx="440892" cy="360040"/>
+          </a:xfrm>
+          <a:prstGeom prst="ellipse">
+            <a:avLst/>
+          </a:prstGeom>
+          <a:solidFill>
+            <a:srgbClr val="FFFF00"/>
+          </a:solidFill>
+        </p:spPr>
+        <p:style>
+          <a:lnRef idx="2">
+            <a:schemeClr val="accent1">
+              <a:shade val="50000"/>
+            </a:schemeClr>
+          </a:lnRef>
+          <a:fillRef idx="1">
+            <a:schemeClr val="accent1"/>
+          </a:fillRef>
+          <a:effectRef idx="0">
+            <a:schemeClr val="accent1"/>
+          </a:effectRef>
+          <a:fontRef idx="minor">
+            <a:schemeClr val="lt1"/>
+          </a:fontRef>
+        </p:style>
+        <p:txBody>
+          <a:bodyPr rtlCol="0" anchor="ctr"/>
+          <a:lstStyle/>
+          <a:p>
+            <a:pPr algn="ctr"/>
+            <a:r>
+              <a:rPr lang="en-US" altLang="zh-CN" dirty="0">
+                <a:solidFill>
+                  <a:schemeClr val="tx1"/>
+                </a:solidFill>
+              </a:rPr>
+              <a:t>C</a:t>
+            </a:r>
+            <a:endParaRPr lang="zh-CN" altLang="en-US" dirty="0">
+              <a:solidFill>
+                <a:schemeClr val="tx1"/>
+              </a:solidFill>
+            </a:endParaRPr>
+          </a:p>
+        </p:txBody>
+      </p:sp>
+    </p:spTree>
+    <p:extLst>
+      <p:ext uri="{BB962C8B-B14F-4D97-AF65-F5344CB8AC3E}">
+        <p14:creationId xmlns:p14="http://schemas.microsoft.com/office/powerpoint/2010/main" val="3342059415"/>
       </p:ext>
     </p:extLst>
   </p:cSld>
